--- a/wikipedia_retention_summary.pptx
+++ b/wikipedia_retention_summary.pptx
@@ -3099,7 +3099,7 @@
         <p:spPr>
           <a:xfrm>
             <a:off x="1078395" y="451395"/>
-            <a:ext cx="6987209" cy="954107"/>
+            <a:ext cx="6987209" cy="1200329"/>
           </a:xfrm>
           <a:prstGeom prst="rect">
             <a:avLst/>
@@ -3116,13 +3116,26 @@
               <a:defRPr sz="3600" b="1"/>
             </a:pPr>
             <a:r>
-              <a:rPr lang="en-US" sz="2800" b="1" dirty="0">
+              <a:rPr lang="en-US" sz="2400" b="1" dirty="0">
                 <a:latin typeface="Times New Roman" panose="02020603050405020304" pitchFamily="18" charset="0"/>
                 <a:cs typeface="Times New Roman" panose="02020603050405020304" pitchFamily="18" charset="0"/>
               </a:rPr>
-              <a:t>Tracking New Wikipedia Editors: Who Comes Back?</a:t>
-            </a:r>
-            <a:endParaRPr sz="2800" b="1" dirty="0">
+              <a:t>Do new Wikipedia editors tend to stay active longer if they receive early</a:t>
+            </a:r>
+            <a:br>
+              <a:rPr lang="en-US" sz="2400" b="1" dirty="0">
+                <a:latin typeface="Times New Roman" panose="02020603050405020304" pitchFamily="18" charset="0"/>
+                <a:cs typeface="Times New Roman" panose="02020603050405020304" pitchFamily="18" charset="0"/>
+              </a:rPr>
+            </a:br>
+            <a:r>
+              <a:rPr lang="en-US" sz="2400" b="1" dirty="0">
+                <a:latin typeface="Times New Roman" panose="02020603050405020304" pitchFamily="18" charset="0"/>
+                <a:cs typeface="Times New Roman" panose="02020603050405020304" pitchFamily="18" charset="0"/>
+              </a:rPr>
+              <a:t>feedback on their first edits?</a:t>
+            </a:r>
+            <a:endParaRPr sz="2400" b="1" dirty="0">
               <a:latin typeface="Times New Roman" panose="02020603050405020304" pitchFamily="18" charset="0"/>
               <a:cs typeface="Times New Roman" panose="02020603050405020304" pitchFamily="18" charset="0"/>
             </a:endParaRPr>
@@ -3137,8 +3150,8 @@
         </p:nvSpPr>
         <p:spPr>
           <a:xfrm>
-            <a:off x="377361" y="1405502"/>
-            <a:ext cx="3789926" cy="4893647"/>
+            <a:off x="644389" y="1828562"/>
+            <a:ext cx="8271011" cy="4401205"/>
           </a:xfrm>
           <a:prstGeom prst="rect">
             <a:avLst/>
@@ -3152,7 +3165,7 @@
           <a:lstStyle/>
           <a:p>
             <a:r>
-              <a:rPr lang="en-US" sz="1600" b="1" dirty="0">
+              <a:rPr lang="en-US" sz="1400" b="1" dirty="0">
                 <a:latin typeface="Times New Roman" panose="02020603050405020304" pitchFamily="18" charset="0"/>
                 <a:cs typeface="Times New Roman" panose="02020603050405020304" pitchFamily="18" charset="0"/>
               </a:rPr>
@@ -3210,7 +3223,7 @@
                 <a:latin typeface="Times New Roman" panose="02020603050405020304" pitchFamily="18" charset="0"/>
                 <a:cs typeface="Times New Roman" panose="02020603050405020304" pitchFamily="18" charset="0"/>
               </a:rPr>
-              <a:t>: measure early retention and understand when newcomers drop off.</a:t>
+              <a:t>: Does early feedback (like thanks or comments) help keep them active longer?</a:t>
             </a:r>
           </a:p>
           <a:p>
@@ -3221,7 +3234,7 @@
           </a:p>
           <a:p>
             <a:r>
-              <a:rPr lang="en-US" sz="1600" b="1" dirty="0">
+              <a:rPr lang="en-US" sz="1400" b="1" dirty="0">
                 <a:latin typeface="Times New Roman" panose="02020603050405020304" pitchFamily="18" charset="0"/>
                 <a:cs typeface="Times New Roman" panose="02020603050405020304" pitchFamily="18" charset="0"/>
               </a:rPr>
@@ -3263,6 +3276,61 @@
             </a:r>
           </a:p>
           <a:p>
+            <a:pPr marL="285750" indent="-285750">
+              <a:buFont typeface="Arial" panose="020B0604020202020204" pitchFamily="34" charset="0"/>
+              <a:buChar char="•"/>
+            </a:pPr>
+            <a:r>
+              <a:rPr lang="en-US" sz="1400" dirty="0">
+                <a:latin typeface="Times New Roman" panose="02020603050405020304" pitchFamily="18" charset="0"/>
+                <a:cs typeface="Times New Roman" panose="02020603050405020304" pitchFamily="18" charset="0"/>
+              </a:rPr>
+              <a:t>For each new editor, we checked:</a:t>
+            </a:r>
+          </a:p>
+          <a:p>
+            <a:pPr marL="742950" lvl="1" indent="-285750">
+              <a:buFont typeface="Arial" panose="020B0604020202020204" pitchFamily="34" charset="0"/>
+              <a:buChar char="•"/>
+            </a:pPr>
+            <a:r>
+              <a:rPr lang="en-US" sz="1400" dirty="0">
+                <a:latin typeface="Times New Roman" panose="02020603050405020304" pitchFamily="18" charset="0"/>
+                <a:cs typeface="Times New Roman" panose="02020603050405020304" pitchFamily="18" charset="0"/>
+              </a:rPr>
+              <a:t>If they received feedback (thanks, comment, revert, or none) within 72 hours</a:t>
+            </a:r>
+          </a:p>
+          <a:p>
+            <a:pPr marL="742950" lvl="1" indent="-285750">
+              <a:buFont typeface="Arial" panose="020B0604020202020204" pitchFamily="34" charset="0"/>
+              <a:buChar char="•"/>
+            </a:pPr>
+            <a:r>
+              <a:rPr lang="en-US" sz="1400" dirty="0">
+                <a:latin typeface="Times New Roman" panose="02020603050405020304" pitchFamily="18" charset="0"/>
+                <a:cs typeface="Times New Roman" panose="02020603050405020304" pitchFamily="18" charset="0"/>
+              </a:rPr>
+              <a:t>Whether they edited again within 7, 30, or 90 days</a:t>
+            </a:r>
+          </a:p>
+          <a:p>
+            <a:pPr lvl="1"/>
+            <a:endParaRPr lang="en-US" sz="1400" dirty="0">
+              <a:latin typeface="Times New Roman" panose="02020603050405020304" pitchFamily="18" charset="0"/>
+              <a:cs typeface="Times New Roman" panose="02020603050405020304" pitchFamily="18" charset="0"/>
+            </a:endParaRPr>
+          </a:p>
+          <a:p>
+            <a:r>
+              <a:rPr lang="en-US" sz="1400" b="1" dirty="0">
+                <a:latin typeface="Times New Roman" panose="02020603050405020304" pitchFamily="18" charset="0"/>
+                <a:cs typeface="Times New Roman" panose="02020603050405020304" pitchFamily="18" charset="0"/>
+              </a:rPr>
+              <a:t>Analysis &amp; Result:</a:t>
+            </a:r>
+          </a:p>
+          <a:p>
             <a:pPr marL="171450" indent="-171450">
               <a:buFont typeface="Arial" panose="020B0604020202020204" pitchFamily="34" charset="0"/>
               <a:buChar char="•"/>
@@ -3272,7 +3340,46 @@
                 <a:latin typeface="Times New Roman" panose="02020603050405020304" pitchFamily="18" charset="0"/>
                 <a:cs typeface="Times New Roman" panose="02020603050405020304" pitchFamily="18" charset="0"/>
               </a:rPr>
-              <a:t>Built a Python pipeline to find each user’s first and next edit (t₀ → t₁)</a:t>
+              <a:t>Compared newcomers who got feedback within 72h (welcome/thanks/constructive note) vs no feedback.</a:t>
+            </a:r>
+          </a:p>
+          <a:p>
+            <a:pPr marL="171450" indent="-171450">
+              <a:buFont typeface="Arial" panose="020B0604020202020204" pitchFamily="34" charset="0"/>
+              <a:buChar char="•"/>
+            </a:pPr>
+            <a:r>
+              <a:rPr lang="en-US" sz="1400" dirty="0">
+                <a:latin typeface="Times New Roman" panose="02020603050405020304" pitchFamily="18" charset="0"/>
+                <a:cs typeface="Times New Roman" panose="02020603050405020304" pitchFamily="18" charset="0"/>
+              </a:rPr>
+              <a:t>7-day return rate: With feedback ≈ 65.3 % vs No feedback ≈ 50.7 %.</a:t>
+            </a:r>
+          </a:p>
+          <a:p>
+            <a:pPr marL="171450" indent="-171450">
+              <a:buFont typeface="Arial" panose="020B0604020202020204" pitchFamily="34" charset="0"/>
+              <a:buChar char="•"/>
+            </a:pPr>
+            <a:r>
+              <a:rPr lang="en-US" sz="1400" dirty="0">
+                <a:latin typeface="Times New Roman" panose="02020603050405020304" pitchFamily="18" charset="0"/>
+                <a:cs typeface="Times New Roman" panose="02020603050405020304" pitchFamily="18" charset="0"/>
+              </a:rPr>
+              <a:t>30-day return rate: With feedback ≈ 66.2 % vs No feedback ≈ 52.5 %.</a:t>
+            </a:r>
+          </a:p>
+          <a:p>
+            <a:pPr marL="171450" indent="-171450">
+              <a:buFont typeface="Arial" panose="020B0604020202020204" pitchFamily="34" charset="0"/>
+              <a:buChar char="•"/>
+            </a:pPr>
+            <a:r>
+              <a:rPr lang="en-US" sz="1400" dirty="0">
+                <a:latin typeface="Times New Roman" panose="02020603050405020304" pitchFamily="18" charset="0"/>
+                <a:cs typeface="Times New Roman" panose="02020603050405020304" pitchFamily="18" charset="0"/>
+              </a:rPr>
+              <a:t>Editors whose first edit was reverted without explanation had the lowest return rates at both time windows.</a:t>
             </a:r>
           </a:p>
           <a:p>
@@ -3283,151 +3390,24 @@
           </a:p>
           <a:p>
             <a:r>
-              <a:rPr lang="en-US" sz="1600" b="1" dirty="0">
+              <a:rPr lang="en-US" sz="1400" b="1" dirty="0">
                 <a:latin typeface="Times New Roman" panose="02020603050405020304" pitchFamily="18" charset="0"/>
                 <a:cs typeface="Times New Roman" panose="02020603050405020304" pitchFamily="18" charset="0"/>
               </a:rPr>
-              <a:t>Analysis &amp; Result:</a:t>
-            </a:r>
-          </a:p>
-          <a:p>
-            <a:pPr marL="171450" indent="-171450">
-              <a:buFont typeface="Arial" panose="020B0604020202020204" pitchFamily="34" charset="0"/>
-              <a:buChar char="•"/>
-            </a:pPr>
+              <a:t>Takeaway Line:</a:t>
+            </a:r>
+          </a:p>
+          <a:p>
             <a:r>
               <a:rPr lang="en-US" sz="1400" dirty="0">
                 <a:latin typeface="Times New Roman" panose="02020603050405020304" pitchFamily="18" charset="0"/>
                 <a:cs typeface="Times New Roman" panose="02020603050405020304" pitchFamily="18" charset="0"/>
               </a:rPr>
-              <a:t>Analyzed </a:t>
-            </a:r>
-            <a:r>
-              <a:rPr lang="en-US" sz="1400" b="1" dirty="0">
-                <a:latin typeface="Times New Roman" panose="02020603050405020304" pitchFamily="18" charset="0"/>
-                <a:cs typeface="Times New Roman" panose="02020603050405020304" pitchFamily="18" charset="0"/>
-              </a:rPr>
-              <a:t>retention</a:t>
-            </a:r>
-            <a:r>
-              <a:rPr lang="en-US" sz="1400" dirty="0">
-                <a:latin typeface="Times New Roman" panose="02020603050405020304" pitchFamily="18" charset="0"/>
-                <a:cs typeface="Times New Roman" panose="02020603050405020304" pitchFamily="18" charset="0"/>
-              </a:rPr>
-              <a:t> </a:t>
-            </a:r>
-            <a:r>
-              <a:rPr lang="en-US" sz="1400" b="1" dirty="0">
-                <a:latin typeface="Times New Roman" panose="02020603050405020304" pitchFamily="18" charset="0"/>
-                <a:cs typeface="Times New Roman" panose="02020603050405020304" pitchFamily="18" charset="0"/>
-              </a:rPr>
-              <a:t>rates</a:t>
-            </a:r>
-            <a:r>
-              <a:rPr lang="en-US" sz="1400" dirty="0">
-                <a:latin typeface="Times New Roman" panose="02020603050405020304" pitchFamily="18" charset="0"/>
-                <a:cs typeface="Times New Roman" panose="02020603050405020304" pitchFamily="18" charset="0"/>
-              </a:rPr>
-              <a:t> — same-month, within 7 days, and next-month activity</a:t>
-            </a:r>
-          </a:p>
-          <a:p>
-            <a:pPr marL="171450" indent="-171450">
-              <a:buFont typeface="Arial" panose="020B0604020202020204" pitchFamily="34" charset="0"/>
-              <a:buChar char="•"/>
-            </a:pPr>
-            <a:r>
-              <a:rPr lang="en-US" sz="1400" dirty="0">
-                <a:latin typeface="Times New Roman" panose="02020603050405020304" pitchFamily="18" charset="0"/>
-                <a:cs typeface="Times New Roman" panose="02020603050405020304" pitchFamily="18" charset="0"/>
-              </a:rPr>
-              <a:t>Found that </a:t>
-            </a:r>
-            <a:r>
-              <a:rPr lang="en-US" sz="1400" b="1" dirty="0">
-                <a:latin typeface="Times New Roman" panose="02020603050405020304" pitchFamily="18" charset="0"/>
-                <a:cs typeface="Times New Roman" panose="02020603050405020304" pitchFamily="18" charset="0"/>
-              </a:rPr>
-              <a:t>~45–50%</a:t>
-            </a:r>
-            <a:r>
-              <a:rPr lang="en-US" sz="1400" dirty="0">
-                <a:latin typeface="Times New Roman" panose="02020603050405020304" pitchFamily="18" charset="0"/>
-                <a:cs typeface="Times New Roman" panose="02020603050405020304" pitchFamily="18" charset="0"/>
-              </a:rPr>
-              <a:t> of newcomers make another edit within a week; but few persist later</a:t>
-            </a:r>
-          </a:p>
-          <a:p>
-            <a:pPr marL="171450" indent="-171450">
-              <a:buFont typeface="Arial" panose="020B0604020202020204" pitchFamily="34" charset="0"/>
-              <a:buChar char="•"/>
-            </a:pPr>
-            <a:endParaRPr lang="en-US" sz="1400" dirty="0">
-              <a:latin typeface="Times New Roman" panose="02020603050405020304" pitchFamily="18" charset="0"/>
-              <a:cs typeface="Times New Roman" panose="02020603050405020304" pitchFamily="18" charset="0"/>
-            </a:endParaRPr>
-          </a:p>
-          <a:p>
-            <a:r>
-              <a:rPr lang="en-US" sz="1600" b="1" dirty="0">
-                <a:latin typeface="Times New Roman" panose="02020603050405020304" pitchFamily="18" charset="0"/>
-                <a:cs typeface="Times New Roman" panose="02020603050405020304" pitchFamily="18" charset="0"/>
-              </a:rPr>
-              <a:t>Takeaway Line:</a:t>
-            </a:r>
-          </a:p>
-          <a:p>
-            <a:r>
-              <a:rPr lang="en-US" sz="1400" dirty="0">
-                <a:latin typeface="Times New Roman" panose="02020603050405020304" pitchFamily="18" charset="0"/>
-                <a:cs typeface="Times New Roman" panose="02020603050405020304" pitchFamily="18" charset="0"/>
-              </a:rPr>
-              <a:t>Early engagement is strong, but most new editors leave after their first few edits.</a:t>
-            </a:r>
-          </a:p>
-          <a:p>
-            <a:pPr marL="171450" indent="-171450">
-              <a:buFont typeface="Arial" panose="020B0604020202020204" pitchFamily="34" charset="0"/>
-              <a:buChar char="•"/>
-            </a:pPr>
-            <a:endParaRPr lang="en-US" sz="1200" dirty="0">
-              <a:latin typeface="Times New Roman" panose="02020603050405020304" pitchFamily="18" charset="0"/>
-              <a:cs typeface="Times New Roman" panose="02020603050405020304" pitchFamily="18" charset="0"/>
-            </a:endParaRPr>
-          </a:p>
-        </p:txBody>
-      </p:sp>
-      <p:pic>
-        <p:nvPicPr>
-          <p:cNvPr id="9" name="Picture 8" descr="A graph of blue squares&#10;&#10;AI-generated content may be incorrect.">
-            <a:extLst>
-              <a:ext uri="{FF2B5EF4-FFF2-40B4-BE49-F238E27FC236}">
-                <a16:creationId xmlns:a16="http://schemas.microsoft.com/office/drawing/2014/main" id="{CB75A2E8-3A49-C004-9532-18E737F25561}"/>
-              </a:ext>
-            </a:extLst>
-          </p:cNvPr>
-          <p:cNvPicPr>
-            <a:picLocks noChangeAspect="1"/>
-          </p:cNvPicPr>
-          <p:nvPr/>
-        </p:nvPicPr>
-        <p:blipFill>
-          <a:blip r:embed="rId2"/>
-          <a:stretch>
-            <a:fillRect/>
-          </a:stretch>
-        </p:blipFill>
-        <p:spPr>
-          <a:xfrm>
-            <a:off x="4361618" y="2179558"/>
-            <a:ext cx="4405021" cy="2949033"/>
-          </a:xfrm>
-          <a:prstGeom prst="rect">
-            <a:avLst/>
-          </a:prstGeom>
-        </p:spPr>
-      </p:pic>
+              <a:t>Early feedback helps. A quick welcome, “thanks,” or short explanation within 72 hours is associated with a meaningfully higher chance that newcomers return within a week and keep editing into the next month, while silence (or unexplained reverts) correlates with drop-off.</a:t>
+            </a:r>
+          </a:p>
+        </p:txBody>
+      </p:sp>
       <p:sp>
         <p:nvSpPr>
           <p:cNvPr id="10" name="TextBox 9">
